--- a/icon.pptx
+++ b/icon.pptx
@@ -2184,7 +2184,7 @@
         </p:nvSpPr>
         <p:spPr>
           <a:xfrm>
-            <a:off x="1272540" y="246108"/>
+            <a:off x="1272540" y="200472"/>
             <a:ext cx="4320540" cy="590739"/>
           </a:xfrm>
           <a:prstGeom prst="rect">
@@ -2192,9 +2192,7 @@
           </a:prstGeom>
           <a:noFill/>
           <a:ln>
-            <a:solidFill>
-              <a:schemeClr val="bg1"/>
-            </a:solidFill>
+            <a:noFill/>
           </a:ln>
         </p:spPr>
         <p:style>
@@ -2219,14 +2217,14 @@
           <a:p>
             <a:pPr algn="ctr"/>
             <a:r>
-              <a:rPr lang="en-US" altLang="ko-KR" dirty="0">
+              <a:rPr lang="en-US" altLang="ko-KR" sz="3000" dirty="0">
                 <a:solidFill>
                   <a:schemeClr val="tx1"/>
                 </a:solidFill>
               </a:rPr>
               <a:t>This is Title </a:t>
             </a:r>
-            <a:endParaRPr lang="ko-KR" altLang="en-US" dirty="0">
+            <a:endParaRPr lang="ko-KR" altLang="en-US" sz="3000" dirty="0">
               <a:solidFill>
                 <a:schemeClr val="tx1"/>
               </a:solidFill>
@@ -2236,10 +2234,10 @@
       </p:sp>
       <p:sp>
         <p:nvSpPr>
-          <p:cNvPr id="10" name="직사각형 9">
+          <p:cNvPr id="83" name="직사각형 82">
             <a:extLst>
               <a:ext uri="{FF2B5EF4-FFF2-40B4-BE49-F238E27FC236}">
-                <a16:creationId xmlns:a16="http://schemas.microsoft.com/office/drawing/2014/main" id="{8A8B030C-CCD8-4817-A983-7BCFAFDC3A34}"/>
+                <a16:creationId xmlns:a16="http://schemas.microsoft.com/office/drawing/2014/main" id="{1A212FAF-1F1F-41F3-9404-4744D23E922F}"/>
               </a:ext>
             </a:extLst>
           </p:cNvPr>
@@ -2248,8 +2246,8 @@
         </p:nvSpPr>
         <p:spPr>
           <a:xfrm>
-            <a:off x="194667" y="962596"/>
-            <a:ext cx="4320540" cy="2474784"/>
+            <a:off x="4730444" y="1352598"/>
+            <a:ext cx="1917017" cy="2231747"/>
           </a:xfrm>
           <a:prstGeom prst="rect">
             <a:avLst/>
@@ -2282,202 +2280,18 @@
           <a:lstStyle/>
           <a:p>
             <a:pPr algn="ctr"/>
-            <a:endParaRPr lang="ko-KR" altLang="en-US"/>
-          </a:p>
-        </p:txBody>
-      </p:sp>
-      <p:sp>
-        <p:nvSpPr>
-          <p:cNvPr id="77" name="직사각형 76">
-            <a:extLst>
-              <a:ext uri="{FF2B5EF4-FFF2-40B4-BE49-F238E27FC236}">
-                <a16:creationId xmlns:a16="http://schemas.microsoft.com/office/drawing/2014/main" id="{DF5D8D81-5B9C-40B4-8A29-BC881F4D7EC4}"/>
-              </a:ext>
-            </a:extLst>
-          </p:cNvPr>
-          <p:cNvSpPr/>
-          <p:nvPr/>
-        </p:nvSpPr>
-        <p:spPr>
-          <a:xfrm>
-            <a:off x="194667" y="956672"/>
-            <a:ext cx="4320540" cy="315868"/>
-          </a:xfrm>
-          <a:prstGeom prst="rect">
-            <a:avLst/>
-          </a:prstGeom>
-          <a:solidFill>
-            <a:schemeClr val="accent4">
-              <a:lumMod val="60000"/>
-              <a:lumOff val="40000"/>
-            </a:schemeClr>
-          </a:solidFill>
-          <a:ln w="12700">
-            <a:solidFill>
-              <a:schemeClr val="tx1"/>
-            </a:solidFill>
-          </a:ln>
-        </p:spPr>
-        <p:style>
-          <a:lnRef idx="2">
-            <a:schemeClr val="accent1">
-              <a:shade val="50000"/>
-            </a:schemeClr>
-          </a:lnRef>
-          <a:fillRef idx="1">
-            <a:schemeClr val="accent1"/>
-          </a:fillRef>
-          <a:effectRef idx="0">
-            <a:schemeClr val="accent1"/>
-          </a:effectRef>
-          <a:fontRef idx="minor">
-            <a:schemeClr val="lt1"/>
-          </a:fontRef>
-        </p:style>
-        <p:txBody>
-          <a:bodyPr rtlCol="0" anchor="ctr"/>
-          <a:lstStyle/>
-          <a:p>
             <a:r>
-              <a:rPr lang="en-US" altLang="ko-KR" sz="1400" b="1" dirty="0">
+              <a:rPr lang="en-US" altLang="ko-KR" b="1" dirty="0">
                 <a:solidFill>
                   <a:schemeClr val="tx1"/>
                 </a:solidFill>
-                <a:latin typeface="Times New Roman" panose="02020603050405020304" pitchFamily="18" charset="0"/>
-                <a:cs typeface="Times New Roman" panose="02020603050405020304" pitchFamily="18" charset="0"/>
               </a:rPr>
-              <a:t>Latest News in INES Lab</a:t>
+              <a:t>Up in the Air</a:t>
             </a:r>
-            <a:endParaRPr lang="ko-KR" altLang="en-US" sz="1400" b="1" dirty="0">
+            <a:endParaRPr lang="ko-KR" altLang="en-US" b="1" dirty="0">
               <a:solidFill>
                 <a:schemeClr val="tx1"/>
               </a:solidFill>
-              <a:latin typeface="Times New Roman" panose="02020603050405020304" pitchFamily="18" charset="0"/>
-              <a:cs typeface="Times New Roman" panose="02020603050405020304" pitchFamily="18" charset="0"/>
-            </a:endParaRPr>
-          </a:p>
-        </p:txBody>
-      </p:sp>
-      <p:sp>
-        <p:nvSpPr>
-          <p:cNvPr id="83" name="직사각형 82">
-            <a:extLst>
-              <a:ext uri="{FF2B5EF4-FFF2-40B4-BE49-F238E27FC236}">
-                <a16:creationId xmlns:a16="http://schemas.microsoft.com/office/drawing/2014/main" id="{1A212FAF-1F1F-41F3-9404-4744D23E922F}"/>
-              </a:ext>
-            </a:extLst>
-          </p:cNvPr>
-          <p:cNvSpPr/>
-          <p:nvPr/>
-        </p:nvSpPr>
-        <p:spPr>
-          <a:xfrm>
-            <a:off x="4730444" y="962595"/>
-            <a:ext cx="1917017" cy="2474784"/>
-          </a:xfrm>
-          <a:prstGeom prst="rect">
-            <a:avLst/>
-          </a:prstGeom>
-          <a:noFill/>
-          <a:ln w="12700">
-            <a:solidFill>
-              <a:schemeClr val="tx1"/>
-            </a:solidFill>
-          </a:ln>
-        </p:spPr>
-        <p:style>
-          <a:lnRef idx="2">
-            <a:schemeClr val="accent1">
-              <a:shade val="50000"/>
-            </a:schemeClr>
-          </a:lnRef>
-          <a:fillRef idx="1">
-            <a:schemeClr val="accent1"/>
-          </a:fillRef>
-          <a:effectRef idx="0">
-            <a:schemeClr val="accent1"/>
-          </a:effectRef>
-          <a:fontRef idx="minor">
-            <a:schemeClr val="lt1"/>
-          </a:fontRef>
-        </p:style>
-        <p:txBody>
-          <a:bodyPr rtlCol="0" anchor="ctr"/>
-          <a:lstStyle/>
-          <a:p>
-            <a:pPr algn="ctr"/>
-            <a:endParaRPr lang="ko-KR" altLang="en-US"/>
-          </a:p>
-        </p:txBody>
-      </p:sp>
-      <p:sp>
-        <p:nvSpPr>
-          <p:cNvPr id="84" name="직사각형 83">
-            <a:extLst>
-              <a:ext uri="{FF2B5EF4-FFF2-40B4-BE49-F238E27FC236}">
-                <a16:creationId xmlns:a16="http://schemas.microsoft.com/office/drawing/2014/main" id="{01FD1748-EFA8-4FC5-9D38-BB4D382DBB97}"/>
-              </a:ext>
-            </a:extLst>
-          </p:cNvPr>
-          <p:cNvSpPr/>
-          <p:nvPr/>
-        </p:nvSpPr>
-        <p:spPr>
-          <a:xfrm>
-            <a:off x="4730444" y="956671"/>
-            <a:ext cx="1917017" cy="315868"/>
-          </a:xfrm>
-          <a:prstGeom prst="rect">
-            <a:avLst/>
-          </a:prstGeom>
-          <a:solidFill>
-            <a:schemeClr val="accent4">
-              <a:lumMod val="60000"/>
-              <a:lumOff val="40000"/>
-            </a:schemeClr>
-          </a:solidFill>
-          <a:ln w="12700">
-            <a:solidFill>
-              <a:schemeClr val="tx1"/>
-            </a:solidFill>
-          </a:ln>
-        </p:spPr>
-        <p:style>
-          <a:lnRef idx="2">
-            <a:schemeClr val="accent1">
-              <a:shade val="50000"/>
-            </a:schemeClr>
-          </a:lnRef>
-          <a:fillRef idx="1">
-            <a:schemeClr val="accent1"/>
-          </a:fillRef>
-          <a:effectRef idx="0">
-            <a:schemeClr val="accent1"/>
-          </a:effectRef>
-          <a:fontRef idx="minor">
-            <a:schemeClr val="lt1"/>
-          </a:fontRef>
-        </p:style>
-        <p:txBody>
-          <a:bodyPr rtlCol="0" anchor="ctr"/>
-          <a:lstStyle/>
-          <a:p>
-            <a:r>
-              <a:rPr lang="en-US" altLang="ko-KR" sz="1400" b="1" dirty="0">
-                <a:solidFill>
-                  <a:schemeClr val="tx1"/>
-                </a:solidFill>
-                <a:latin typeface="Times New Roman" panose="02020603050405020304" pitchFamily="18" charset="0"/>
-                <a:cs typeface="Times New Roman" panose="02020603050405020304" pitchFamily="18" charset="0"/>
-              </a:rPr>
-              <a:t>Menu</a:t>
-            </a:r>
-            <a:endParaRPr lang="ko-KR" altLang="en-US" sz="1400" b="1" dirty="0">
-              <a:solidFill>
-                <a:schemeClr val="tx1"/>
-              </a:solidFill>
-              <a:latin typeface="Times New Roman" panose="02020603050405020304" pitchFamily="18" charset="0"/>
-              <a:cs typeface="Times New Roman" panose="02020603050405020304" pitchFamily="18" charset="0"/>
             </a:endParaRPr>
           </a:p>
         </p:txBody>
@@ -5052,6 +4866,536 @@
           </a:p>
         </p:txBody>
       </p:sp>
+      <p:sp>
+        <p:nvSpPr>
+          <p:cNvPr id="59" name="직사각형 58">
+            <a:extLst>
+              <a:ext uri="{FF2B5EF4-FFF2-40B4-BE49-F238E27FC236}">
+                <a16:creationId xmlns:a16="http://schemas.microsoft.com/office/drawing/2014/main" id="{0A6E6367-9FB5-491D-A992-E8347A7F12BB}"/>
+              </a:ext>
+            </a:extLst>
+          </p:cNvPr>
+          <p:cNvSpPr/>
+          <p:nvPr/>
+        </p:nvSpPr>
+        <p:spPr>
+          <a:xfrm>
+            <a:off x="195424" y="936465"/>
+            <a:ext cx="2167631" cy="378382"/>
+          </a:xfrm>
+          <a:prstGeom prst="rect">
+            <a:avLst/>
+          </a:prstGeom>
+          <a:noFill/>
+          <a:ln>
+            <a:solidFill>
+              <a:schemeClr val="tx1"/>
+            </a:solidFill>
+          </a:ln>
+        </p:spPr>
+        <p:style>
+          <a:lnRef idx="2">
+            <a:schemeClr val="accent1">
+              <a:shade val="50000"/>
+            </a:schemeClr>
+          </a:lnRef>
+          <a:fillRef idx="1">
+            <a:schemeClr val="accent1"/>
+          </a:fillRef>
+          <a:effectRef idx="0">
+            <a:schemeClr val="accent1"/>
+          </a:effectRef>
+          <a:fontRef idx="minor">
+            <a:schemeClr val="lt1"/>
+          </a:fontRef>
+        </p:style>
+        <p:txBody>
+          <a:bodyPr rtlCol="0" anchor="ctr"/>
+          <a:lstStyle/>
+          <a:p>
+            <a:r>
+              <a:rPr lang="en-US" altLang="ko-KR" sz="2000" dirty="0">
+                <a:solidFill>
+                  <a:schemeClr val="tx1"/>
+                </a:solidFill>
+              </a:rPr>
+              <a:t>Recent Posts</a:t>
+            </a:r>
+            <a:endParaRPr lang="ko-KR" altLang="en-US" sz="2000" dirty="0">
+              <a:solidFill>
+                <a:schemeClr val="tx1"/>
+              </a:solidFill>
+            </a:endParaRPr>
+          </a:p>
+        </p:txBody>
+      </p:sp>
+      <p:sp>
+        <p:nvSpPr>
+          <p:cNvPr id="60" name="직사각형 59">
+            <a:extLst>
+              <a:ext uri="{FF2B5EF4-FFF2-40B4-BE49-F238E27FC236}">
+                <a16:creationId xmlns:a16="http://schemas.microsoft.com/office/drawing/2014/main" id="{6AB591FD-5ACE-4037-A28F-874C7CC4A8E4}"/>
+              </a:ext>
+            </a:extLst>
+          </p:cNvPr>
+          <p:cNvSpPr/>
+          <p:nvPr/>
+        </p:nvSpPr>
+        <p:spPr>
+          <a:xfrm>
+            <a:off x="4735084" y="948001"/>
+            <a:ext cx="1912377" cy="378382"/>
+          </a:xfrm>
+          <a:prstGeom prst="rect">
+            <a:avLst/>
+          </a:prstGeom>
+          <a:noFill/>
+          <a:ln>
+            <a:noFill/>
+          </a:ln>
+        </p:spPr>
+        <p:style>
+          <a:lnRef idx="2">
+            <a:schemeClr val="accent1">
+              <a:shade val="50000"/>
+            </a:schemeClr>
+          </a:lnRef>
+          <a:fillRef idx="1">
+            <a:schemeClr val="accent1"/>
+          </a:fillRef>
+          <a:effectRef idx="0">
+            <a:schemeClr val="accent1"/>
+          </a:effectRef>
+          <a:fontRef idx="minor">
+            <a:schemeClr val="lt1"/>
+          </a:fontRef>
+        </p:style>
+        <p:txBody>
+          <a:bodyPr rtlCol="0" anchor="ctr"/>
+          <a:lstStyle/>
+          <a:p>
+            <a:endParaRPr lang="ko-KR" altLang="en-US" sz="1600" dirty="0">
+              <a:solidFill>
+                <a:schemeClr val="tx1"/>
+              </a:solidFill>
+            </a:endParaRPr>
+          </a:p>
+        </p:txBody>
+      </p:sp>
+      <p:graphicFrame>
+        <p:nvGraphicFramePr>
+          <p:cNvPr id="2" name="표 2">
+            <a:extLst>
+              <a:ext uri="{FF2B5EF4-FFF2-40B4-BE49-F238E27FC236}">
+                <a16:creationId xmlns:a16="http://schemas.microsoft.com/office/drawing/2014/main" id="{AF321D5B-0EB3-4EA4-8F9F-FB4FDFA4AAC5}"/>
+              </a:ext>
+            </a:extLst>
+          </p:cNvPr>
+          <p:cNvGraphicFramePr>
+            <a:graphicFrameLocks noGrp="1"/>
+          </p:cNvGraphicFramePr>
+          <p:nvPr>
+            <p:extLst>
+              <p:ext uri="{D42A27DB-BD31-4B8C-83A1-F6EECF244321}">
+                <p14:modId xmlns:p14="http://schemas.microsoft.com/office/powerpoint/2010/main" val="3075389472"/>
+              </p:ext>
+            </p:extLst>
+          </p:nvPr>
+        </p:nvGraphicFramePr>
+        <p:xfrm>
+          <a:off x="196915" y="1341656"/>
+          <a:ext cx="4408449" cy="2242690"/>
+        </p:xfrm>
+        <a:graphic>
+          <a:graphicData uri="http://schemas.openxmlformats.org/drawingml/2006/table">
+            <a:tbl>
+              <a:tblPr firstRow="1" bandRow="1">
+                <a:tableStyleId>{5C22544A-7EE6-4342-B048-85BDC9FD1C3A}</a:tableStyleId>
+              </a:tblPr>
+              <a:tblGrid>
+                <a:gridCol w="4408449">
+                  <a:extLst>
+                    <a:ext uri="{9D8B030D-6E8A-4147-A177-3AD203B41FA5}">
+                      <a16:colId xmlns:a16="http://schemas.microsoft.com/office/drawing/2014/main" val="1857573762"/>
+                    </a:ext>
+                  </a:extLst>
+                </a:gridCol>
+              </a:tblGrid>
+              <a:tr h="448538">
+                <a:tc>
+                  <a:txBody>
+                    <a:bodyPr/>
+                    <a:lstStyle/>
+                    <a:p>
+                      <a:pPr latinLnBrk="1"/>
+                      <a:r>
+                        <a:rPr lang="en-US" altLang="ko-KR" sz="1100" dirty="0">
+                          <a:solidFill>
+                            <a:sysClr val="windowText" lastClr="000000"/>
+                          </a:solidFill>
+                        </a:rPr>
+                        <a:t>A Challenge to understand the needs of local readers</a:t>
+                      </a:r>
+                    </a:p>
+                    <a:p>
+                      <a:pPr algn="r" latinLnBrk="1"/>
+                      <a:r>
+                        <a:rPr lang="en-US" altLang="ko-KR" sz="800" b="0" dirty="0">
+                          <a:solidFill>
+                            <a:sysClr val="windowText" lastClr="000000"/>
+                          </a:solidFill>
+                        </a:rPr>
+                        <a:t>2021 Jun 23, Category, Author</a:t>
+                      </a:r>
+                      <a:endParaRPr lang="ko-KR" altLang="en-US" sz="800" b="0" dirty="0">
+                        <a:solidFill>
+                          <a:sysClr val="windowText" lastClr="000000"/>
+                        </a:solidFill>
+                      </a:endParaRPr>
+                    </a:p>
+                  </a:txBody>
+                  <a:tcPr anchor="ctr">
+                    <a:lnT w="12700" cap="flat" cmpd="sng" algn="ctr">
+                      <a:noFill/>
+                      <a:prstDash val="solid"/>
+                      <a:round/>
+                      <a:headEnd type="none" w="med" len="med"/>
+                      <a:tailEnd type="none" w="med" len="med"/>
+                    </a:lnT>
+                    <a:lnB w="12700" cap="flat" cmpd="sng" algn="ctr">
+                      <a:solidFill>
+                        <a:schemeClr val="tx1"/>
+                      </a:solidFill>
+                      <a:prstDash val="solid"/>
+                      <a:round/>
+                      <a:headEnd type="none" w="med" len="med"/>
+                      <a:tailEnd type="none" w="med" len="med"/>
+                    </a:lnB>
+                    <a:solidFill>
+                      <a:schemeClr val="bg1"/>
+                    </a:solidFill>
+                  </a:tcPr>
+                </a:tc>
+                <a:extLst>
+                  <a:ext uri="{0D108BD9-81ED-4DB2-BD59-A6C34878D82A}">
+                    <a16:rowId xmlns:a16="http://schemas.microsoft.com/office/drawing/2014/main" val="3891735055"/>
+                  </a:ext>
+                </a:extLst>
+              </a:tr>
+              <a:tr h="448538">
+                <a:tc>
+                  <a:txBody>
+                    <a:bodyPr/>
+                    <a:lstStyle/>
+                    <a:p>
+                      <a:pPr latinLnBrk="1"/>
+                      <a:r>
+                        <a:rPr lang="en-US" altLang="ko-KR" sz="1100" b="1" dirty="0">
+                          <a:solidFill>
+                            <a:sysClr val="windowText" lastClr="000000"/>
+                          </a:solidFill>
+                        </a:rPr>
+                        <a:t>Chromebooks get new updates for the hybrid classroom</a:t>
+                      </a:r>
+                    </a:p>
+                    <a:p>
+                      <a:pPr algn="r" latinLnBrk="1"/>
+                      <a:r>
+                        <a:rPr lang="en-US" altLang="ko-KR" sz="800" dirty="0">
+                          <a:solidFill>
+                            <a:sysClr val="windowText" lastClr="000000"/>
+                          </a:solidFill>
+                        </a:rPr>
+                        <a:t>2021 Jun 22, Category, Author</a:t>
+                      </a:r>
+                      <a:endParaRPr lang="ko-KR" altLang="en-US" sz="800" dirty="0">
+                        <a:solidFill>
+                          <a:sysClr val="windowText" lastClr="000000"/>
+                        </a:solidFill>
+                      </a:endParaRPr>
+                    </a:p>
+                  </a:txBody>
+                  <a:tcPr anchor="ctr">
+                    <a:lnT w="12700" cap="flat" cmpd="sng" algn="ctr">
+                      <a:solidFill>
+                        <a:schemeClr val="tx1"/>
+                      </a:solidFill>
+                      <a:prstDash val="solid"/>
+                      <a:round/>
+                      <a:headEnd type="none" w="med" len="med"/>
+                      <a:tailEnd type="none" w="med" len="med"/>
+                    </a:lnT>
+                    <a:lnB w="12700" cap="flat" cmpd="sng" algn="ctr">
+                      <a:solidFill>
+                        <a:schemeClr val="tx1"/>
+                      </a:solidFill>
+                      <a:prstDash val="solid"/>
+                      <a:round/>
+                      <a:headEnd type="none" w="med" len="med"/>
+                      <a:tailEnd type="none" w="med" len="med"/>
+                    </a:lnB>
+                    <a:solidFill>
+                      <a:schemeClr val="bg1"/>
+                    </a:solidFill>
+                  </a:tcPr>
+                </a:tc>
+                <a:extLst>
+                  <a:ext uri="{0D108BD9-81ED-4DB2-BD59-A6C34878D82A}">
+                    <a16:rowId xmlns:a16="http://schemas.microsoft.com/office/drawing/2014/main" val="2976754334"/>
+                  </a:ext>
+                </a:extLst>
+              </a:tr>
+              <a:tr h="448538">
+                <a:tc>
+                  <a:txBody>
+                    <a:bodyPr/>
+                    <a:lstStyle/>
+                    <a:p>
+                      <a:pPr latinLnBrk="1"/>
+                      <a:r>
+                        <a:rPr lang="en-US" altLang="ko-KR" sz="1100" b="1" dirty="0">
+                          <a:solidFill>
+                            <a:sysClr val="windowText" lastClr="000000"/>
+                          </a:solidFill>
+                        </a:rPr>
+                        <a:t>Collaboration and security in Google Workspace for Education</a:t>
+                      </a:r>
+                    </a:p>
+                    <a:p>
+                      <a:pPr algn="r" latinLnBrk="1"/>
+                      <a:r>
+                        <a:rPr lang="en-US" altLang="ko-KR" sz="800" dirty="0">
+                          <a:solidFill>
+                            <a:sysClr val="windowText" lastClr="000000"/>
+                          </a:solidFill>
+                        </a:rPr>
+                        <a:t>2021 Jun 21, Category, Author</a:t>
+                      </a:r>
+                      <a:endParaRPr lang="ko-KR" altLang="en-US" sz="800" dirty="0">
+                        <a:solidFill>
+                          <a:sysClr val="windowText" lastClr="000000"/>
+                        </a:solidFill>
+                      </a:endParaRPr>
+                    </a:p>
+                  </a:txBody>
+                  <a:tcPr anchor="ctr">
+                    <a:lnT w="12700" cap="flat" cmpd="sng" algn="ctr">
+                      <a:solidFill>
+                        <a:schemeClr val="tx1"/>
+                      </a:solidFill>
+                      <a:prstDash val="solid"/>
+                      <a:round/>
+                      <a:headEnd type="none" w="med" len="med"/>
+                      <a:tailEnd type="none" w="med" len="med"/>
+                    </a:lnT>
+                    <a:lnB w="12700" cap="flat" cmpd="sng" algn="ctr">
+                      <a:solidFill>
+                        <a:schemeClr val="tx1"/>
+                      </a:solidFill>
+                      <a:prstDash val="solid"/>
+                      <a:round/>
+                      <a:headEnd type="none" w="med" len="med"/>
+                      <a:tailEnd type="none" w="med" len="med"/>
+                    </a:lnB>
+                    <a:solidFill>
+                      <a:schemeClr val="bg1"/>
+                    </a:solidFill>
+                  </a:tcPr>
+                </a:tc>
+                <a:extLst>
+                  <a:ext uri="{0D108BD9-81ED-4DB2-BD59-A6C34878D82A}">
+                    <a16:rowId xmlns:a16="http://schemas.microsoft.com/office/drawing/2014/main" val="3139844279"/>
+                  </a:ext>
+                </a:extLst>
+              </a:tr>
+              <a:tr h="448538">
+                <a:tc>
+                  <a:txBody>
+                    <a:bodyPr/>
+                    <a:lstStyle/>
+                    <a:p>
+                      <a:pPr latinLnBrk="1"/>
+                      <a:r>
+                        <a:rPr lang="en-US" altLang="ko-KR" sz="1100" b="1" dirty="0">
+                          <a:solidFill>
+                            <a:sysClr val="windowText" lastClr="000000"/>
+                          </a:solidFill>
+                        </a:rPr>
+                        <a:t>Collaboration and security in Google Workspace for Education</a:t>
+                      </a:r>
+                    </a:p>
+                    <a:p>
+                      <a:pPr algn="r" latinLnBrk="1"/>
+                      <a:r>
+                        <a:rPr lang="en-US" altLang="ko-KR" sz="800" dirty="0">
+                          <a:solidFill>
+                            <a:sysClr val="windowText" lastClr="000000"/>
+                          </a:solidFill>
+                        </a:rPr>
+                        <a:t>2021 Jun 20, Category, Author</a:t>
+                      </a:r>
+                      <a:endParaRPr lang="ko-KR" altLang="en-US" sz="800" dirty="0">
+                        <a:solidFill>
+                          <a:sysClr val="windowText" lastClr="000000"/>
+                        </a:solidFill>
+                      </a:endParaRPr>
+                    </a:p>
+                  </a:txBody>
+                  <a:tcPr anchor="ctr">
+                    <a:lnT w="12700" cap="flat" cmpd="sng" algn="ctr">
+                      <a:solidFill>
+                        <a:schemeClr val="tx1"/>
+                      </a:solidFill>
+                      <a:prstDash val="solid"/>
+                      <a:round/>
+                      <a:headEnd type="none" w="med" len="med"/>
+                      <a:tailEnd type="none" w="med" len="med"/>
+                    </a:lnT>
+                    <a:lnB w="12700" cap="flat" cmpd="sng" algn="ctr">
+                      <a:solidFill>
+                        <a:schemeClr val="tx1"/>
+                      </a:solidFill>
+                      <a:prstDash val="solid"/>
+                      <a:round/>
+                      <a:headEnd type="none" w="med" len="med"/>
+                      <a:tailEnd type="none" w="med" len="med"/>
+                    </a:lnB>
+                    <a:solidFill>
+                      <a:schemeClr val="bg1"/>
+                    </a:solidFill>
+                  </a:tcPr>
+                </a:tc>
+                <a:extLst>
+                  <a:ext uri="{0D108BD9-81ED-4DB2-BD59-A6C34878D82A}">
+                    <a16:rowId xmlns:a16="http://schemas.microsoft.com/office/drawing/2014/main" val="4186687288"/>
+                  </a:ext>
+                </a:extLst>
+              </a:tr>
+              <a:tr h="448538">
+                <a:tc>
+                  <a:txBody>
+                    <a:bodyPr/>
+                    <a:lstStyle/>
+                    <a:p>
+                      <a:pPr latinLnBrk="1"/>
+                      <a:r>
+                        <a:rPr lang="en-US" altLang="ko-KR" sz="1100" b="1" dirty="0">
+                          <a:solidFill>
+                            <a:sysClr val="windowText" lastClr="000000"/>
+                          </a:solidFill>
+                        </a:rPr>
+                        <a:t>Collaboration and security in Google Workspace for Education</a:t>
+                      </a:r>
+                    </a:p>
+                    <a:p>
+                      <a:pPr algn="r" latinLnBrk="1"/>
+                      <a:r>
+                        <a:rPr lang="en-US" altLang="ko-KR" sz="800" dirty="0">
+                          <a:solidFill>
+                            <a:sysClr val="windowText" lastClr="000000"/>
+                          </a:solidFill>
+                        </a:rPr>
+                        <a:t>2021 Jun 19, Category, Author</a:t>
+                      </a:r>
+                      <a:endParaRPr lang="ko-KR" altLang="en-US" sz="800" dirty="0">
+                        <a:solidFill>
+                          <a:sysClr val="windowText" lastClr="000000"/>
+                        </a:solidFill>
+                      </a:endParaRPr>
+                    </a:p>
+                  </a:txBody>
+                  <a:tcPr anchor="ctr">
+                    <a:lnT w="12700" cap="flat" cmpd="sng" algn="ctr">
+                      <a:solidFill>
+                        <a:schemeClr val="tx1"/>
+                      </a:solidFill>
+                      <a:prstDash val="solid"/>
+                      <a:round/>
+                      <a:headEnd type="none" w="med" len="med"/>
+                      <a:tailEnd type="none" w="med" len="med"/>
+                    </a:lnT>
+                    <a:lnB w="12700" cap="flat" cmpd="sng" algn="ctr">
+                      <a:solidFill>
+                        <a:schemeClr val="tx1"/>
+                      </a:solidFill>
+                      <a:prstDash val="solid"/>
+                      <a:round/>
+                      <a:headEnd type="none" w="med" len="med"/>
+                      <a:tailEnd type="none" w="med" len="med"/>
+                    </a:lnB>
+                    <a:solidFill>
+                      <a:schemeClr val="bg1"/>
+                    </a:solidFill>
+                  </a:tcPr>
+                </a:tc>
+                <a:extLst>
+                  <a:ext uri="{0D108BD9-81ED-4DB2-BD59-A6C34878D82A}">
+                    <a16:rowId xmlns:a16="http://schemas.microsoft.com/office/drawing/2014/main" val="3633084977"/>
+                  </a:ext>
+                </a:extLst>
+              </a:tr>
+            </a:tbl>
+          </a:graphicData>
+        </a:graphic>
+      </p:graphicFrame>
+      <p:sp>
+        <p:nvSpPr>
+          <p:cNvPr id="5" name="직사각형 4">
+            <a:extLst>
+              <a:ext uri="{FF2B5EF4-FFF2-40B4-BE49-F238E27FC236}">
+                <a16:creationId xmlns:a16="http://schemas.microsoft.com/office/drawing/2014/main" id="{9DEEA6A4-5EE9-4285-BB41-1C008EF0D025}"/>
+              </a:ext>
+            </a:extLst>
+          </p:cNvPr>
+          <p:cNvSpPr/>
+          <p:nvPr/>
+        </p:nvSpPr>
+        <p:spPr>
+          <a:xfrm>
+            <a:off x="0" y="4954588"/>
+            <a:ext cx="6858000" cy="1438572"/>
+          </a:xfrm>
+          <a:prstGeom prst="rect">
+            <a:avLst/>
+          </a:prstGeom>
+          <a:solidFill>
+            <a:schemeClr val="bg1">
+              <a:lumMod val="95000"/>
+            </a:schemeClr>
+          </a:solidFill>
+          <a:ln>
+            <a:solidFill>
+              <a:schemeClr val="bg1">
+                <a:lumMod val="95000"/>
+              </a:schemeClr>
+            </a:solidFill>
+          </a:ln>
+        </p:spPr>
+        <p:style>
+          <a:lnRef idx="2">
+            <a:schemeClr val="accent1">
+              <a:shade val="50000"/>
+            </a:schemeClr>
+          </a:lnRef>
+          <a:fillRef idx="1">
+            <a:schemeClr val="accent1"/>
+          </a:fillRef>
+          <a:effectRef idx="0">
+            <a:schemeClr val="accent1"/>
+          </a:effectRef>
+          <a:fontRef idx="minor">
+            <a:schemeClr val="lt1"/>
+          </a:fontRef>
+        </p:style>
+        <p:txBody>
+          <a:bodyPr rtlCol="0" anchor="ctr"/>
+          <a:lstStyle/>
+          <a:p>
+            <a:pPr algn="ctr"/>
+            <a:endParaRPr lang="ko-KR" altLang="en-US"/>
+          </a:p>
+        </p:txBody>
+      </p:sp>
     </p:spTree>
   </p:cSld>
   <p:clrMapOvr>
@@ -5077,6 +5421,145 @@
           <a:chExt cx="0" cy="0"/>
         </a:xfrm>
       </p:grpSpPr>
+      <p:grpSp>
+        <p:nvGrpSpPr>
+          <p:cNvPr id="11" name="그룹 10">
+            <a:extLst>
+              <a:ext uri="{FF2B5EF4-FFF2-40B4-BE49-F238E27FC236}">
+                <a16:creationId xmlns:a16="http://schemas.microsoft.com/office/drawing/2014/main" id="{7E3C361E-022D-4C1B-B84E-FC38A7264589}"/>
+              </a:ext>
+            </a:extLst>
+          </p:cNvPr>
+          <p:cNvGrpSpPr/>
+          <p:nvPr/>
+        </p:nvGrpSpPr>
+        <p:grpSpPr>
+          <a:xfrm>
+            <a:off x="375120" y="5041469"/>
+            <a:ext cx="4316148" cy="3345693"/>
+            <a:chOff x="370019" y="5791139"/>
+            <a:chExt cx="4316148" cy="3345693"/>
+          </a:xfrm>
+        </p:grpSpPr>
+        <p:pic>
+          <p:nvPicPr>
+            <p:cNvPr id="4" name="그림 3">
+              <a:extLst>
+                <a:ext uri="{FF2B5EF4-FFF2-40B4-BE49-F238E27FC236}">
+                  <a16:creationId xmlns:a16="http://schemas.microsoft.com/office/drawing/2014/main" id="{850025C8-7A2F-4FB0-A35B-599353E289EB}"/>
+                </a:ext>
+              </a:extLst>
+            </p:cNvPr>
+            <p:cNvPicPr>
+              <a:picLocks noChangeAspect="1"/>
+            </p:cNvPicPr>
+            <p:nvPr/>
+          </p:nvPicPr>
+          <p:blipFill>
+            <a:blip r:embed="rId2"/>
+            <a:stretch>
+              <a:fillRect/>
+            </a:stretch>
+          </p:blipFill>
+          <p:spPr>
+            <a:xfrm>
+              <a:off x="372473" y="5791139"/>
+              <a:ext cx="4313694" cy="1490061"/>
+            </a:xfrm>
+            <a:prstGeom prst="rect">
+              <a:avLst/>
+            </a:prstGeom>
+          </p:spPr>
+        </p:pic>
+        <p:pic>
+          <p:nvPicPr>
+            <p:cNvPr id="7" name="그림 6">
+              <a:extLst>
+                <a:ext uri="{FF2B5EF4-FFF2-40B4-BE49-F238E27FC236}">
+                  <a16:creationId xmlns:a16="http://schemas.microsoft.com/office/drawing/2014/main" id="{DFE623D4-6425-4967-B8E0-25FFD460046C}"/>
+                </a:ext>
+              </a:extLst>
+            </p:cNvPr>
+            <p:cNvPicPr>
+              <a:picLocks noChangeAspect="1"/>
+            </p:cNvPicPr>
+            <p:nvPr/>
+          </p:nvPicPr>
+          <p:blipFill>
+            <a:blip r:embed="rId3"/>
+            <a:stretch>
+              <a:fillRect/>
+            </a:stretch>
+          </p:blipFill>
+          <p:spPr>
+            <a:xfrm>
+              <a:off x="370019" y="7278417"/>
+              <a:ext cx="4313694" cy="1858415"/>
+            </a:xfrm>
+            <a:prstGeom prst="rect">
+              <a:avLst/>
+            </a:prstGeom>
+          </p:spPr>
+        </p:pic>
+      </p:grpSp>
+      <p:sp>
+        <p:nvSpPr>
+          <p:cNvPr id="59" name="직사각형 58">
+            <a:extLst>
+              <a:ext uri="{FF2B5EF4-FFF2-40B4-BE49-F238E27FC236}">
+                <a16:creationId xmlns:a16="http://schemas.microsoft.com/office/drawing/2014/main" id="{79AAD399-46CF-4CA1-8C4A-D39ABEFD01A7}"/>
+              </a:ext>
+            </a:extLst>
+          </p:cNvPr>
+          <p:cNvSpPr/>
+          <p:nvPr/>
+        </p:nvSpPr>
+        <p:spPr>
+          <a:xfrm>
+            <a:off x="0" y="8453849"/>
+            <a:ext cx="6858000" cy="1438572"/>
+          </a:xfrm>
+          <a:prstGeom prst="rect">
+            <a:avLst/>
+          </a:prstGeom>
+          <a:solidFill>
+            <a:schemeClr val="bg1">
+              <a:lumMod val="95000"/>
+            </a:schemeClr>
+          </a:solidFill>
+          <a:ln>
+            <a:solidFill>
+              <a:schemeClr val="bg1">
+                <a:lumMod val="95000"/>
+              </a:schemeClr>
+            </a:solidFill>
+          </a:ln>
+        </p:spPr>
+        <p:style>
+          <a:lnRef idx="2">
+            <a:schemeClr val="accent1">
+              <a:shade val="50000"/>
+            </a:schemeClr>
+          </a:lnRef>
+          <a:fillRef idx="1">
+            <a:schemeClr val="accent1"/>
+          </a:fillRef>
+          <a:effectRef idx="0">
+            <a:schemeClr val="accent1"/>
+          </a:effectRef>
+          <a:fontRef idx="minor">
+            <a:schemeClr val="lt1"/>
+          </a:fontRef>
+        </p:style>
+        <p:txBody>
+          <a:bodyPr rtlCol="0" anchor="ctr"/>
+          <a:lstStyle/>
+          <a:p>
+            <a:pPr algn="ctr"/>
+            <a:endParaRPr lang="ko-KR" altLang="en-US"/>
+          </a:p>
+        </p:txBody>
+      </p:sp>
       <p:pic>
         <p:nvPicPr>
           <p:cNvPr id="13" name="그림 12">
@@ -5092,7 +5575,7 @@
           <p:nvPr/>
         </p:nvPicPr>
         <p:blipFill>
-          <a:blip r:embed="rId2"/>
+          <a:blip r:embed="rId4"/>
           <a:stretch>
             <a:fillRect/>
           </a:stretch>
@@ -5122,7 +5605,7 @@
           <p:nvPr/>
         </p:nvPicPr>
         <p:blipFill>
-          <a:blip r:embed="rId2"/>
+          <a:blip r:embed="rId4"/>
           <a:stretch>
             <a:fillRect/>
           </a:stretch>
@@ -5130,7 +5613,7 @@
         <p:spPr>
           <a:xfrm>
             <a:off x="395531" y="3089845"/>
-            <a:ext cx="4295737" cy="1838019"/>
+            <a:ext cx="4295737" cy="1744701"/>
           </a:xfrm>
           <a:prstGeom prst="rect">
             <a:avLst/>
@@ -5152,7 +5635,7 @@
         <p:spPr>
           <a:xfrm>
             <a:off x="370019" y="1066156"/>
-            <a:ext cx="4316148" cy="7991300"/>
+            <a:ext cx="4316148" cy="3888432"/>
           </a:xfrm>
           <a:prstGeom prst="rect">
             <a:avLst/>
@@ -5260,7 +5743,7 @@
                 <a:latin typeface="Times New Roman" panose="02020603050405020304" pitchFamily="18" charset="0"/>
                 <a:cs typeface="Times New Roman" panose="02020603050405020304" pitchFamily="18" charset="0"/>
               </a:rPr>
-              <a:t>2020.06.07., Author: </a:t>
+              <a:t>2020 June 7, Author: </a:t>
             </a:r>
             <a:r>
               <a:rPr lang="en-US" altLang="ko-KR" sz="1000" b="1" dirty="0" err="1">
@@ -5296,7 +5779,7 @@
         </p:nvGrpSpPr>
         <p:grpSpPr>
           <a:xfrm>
-            <a:off x="1103399" y="8059054"/>
+            <a:off x="1103399" y="4102491"/>
             <a:ext cx="2880000" cy="792076"/>
             <a:chOff x="1567302" y="4808996"/>
             <a:chExt cx="2880000" cy="792076"/>
@@ -7778,6 +8261,36 @@
           <a:chExt cx="0" cy="0"/>
         </a:xfrm>
       </p:grpSpPr>
+      <p:pic>
+        <p:nvPicPr>
+          <p:cNvPr id="6" name="그림 5">
+            <a:extLst>
+              <a:ext uri="{FF2B5EF4-FFF2-40B4-BE49-F238E27FC236}">
+                <a16:creationId xmlns:a16="http://schemas.microsoft.com/office/drawing/2014/main" id="{F393612E-0782-45A8-8E48-2E97CFE3DEC4}"/>
+              </a:ext>
+            </a:extLst>
+          </p:cNvPr>
+          <p:cNvPicPr>
+            <a:picLocks noChangeAspect="1"/>
+          </p:cNvPicPr>
+          <p:nvPr/>
+        </p:nvPicPr>
+        <p:blipFill>
+          <a:blip r:embed="rId2"/>
+          <a:stretch>
+            <a:fillRect/>
+          </a:stretch>
+        </p:blipFill>
+        <p:spPr>
+          <a:xfrm>
+            <a:off x="2925840" y="4899394"/>
+            <a:ext cx="2659931" cy="273226"/>
+          </a:xfrm>
+          <a:prstGeom prst="rect">
+            <a:avLst/>
+          </a:prstGeom>
+        </p:spPr>
+      </p:pic>
       <p:sp>
         <p:nvSpPr>
           <p:cNvPr id="76" name="직사각형 75">
@@ -7826,266 +8339,10 @@
           <a:lstStyle/>
           <a:p>
             <a:pPr algn="ctr"/>
-            <a:r>
-              <a:rPr lang="en-US" altLang="ko-KR" dirty="0">
-                <a:solidFill>
-                  <a:schemeClr val="tx1"/>
-                </a:solidFill>
-              </a:rPr>
-              <a:t>This is Title </a:t>
-            </a:r>
             <a:endParaRPr lang="ko-KR" altLang="en-US" dirty="0">
               <a:solidFill>
                 <a:schemeClr val="tx1"/>
               </a:solidFill>
-            </a:endParaRPr>
-          </a:p>
-        </p:txBody>
-      </p:sp>
-      <p:sp>
-        <p:nvSpPr>
-          <p:cNvPr id="10" name="직사각형 9">
-            <a:extLst>
-              <a:ext uri="{FF2B5EF4-FFF2-40B4-BE49-F238E27FC236}">
-                <a16:creationId xmlns:a16="http://schemas.microsoft.com/office/drawing/2014/main" id="{8A8B030C-CCD8-4817-A983-7BCFAFDC3A34}"/>
-              </a:ext>
-            </a:extLst>
-          </p:cNvPr>
-          <p:cNvSpPr/>
-          <p:nvPr/>
-        </p:nvSpPr>
-        <p:spPr>
-          <a:xfrm>
-            <a:off x="194667" y="962596"/>
-            <a:ext cx="4320540" cy="2474784"/>
-          </a:xfrm>
-          <a:prstGeom prst="rect">
-            <a:avLst/>
-          </a:prstGeom>
-          <a:noFill/>
-          <a:ln w="12700">
-            <a:solidFill>
-              <a:schemeClr val="tx1"/>
-            </a:solidFill>
-          </a:ln>
-        </p:spPr>
-        <p:style>
-          <a:lnRef idx="2">
-            <a:schemeClr val="accent1">
-              <a:shade val="50000"/>
-            </a:schemeClr>
-          </a:lnRef>
-          <a:fillRef idx="1">
-            <a:schemeClr val="accent1"/>
-          </a:fillRef>
-          <a:effectRef idx="0">
-            <a:schemeClr val="accent1"/>
-          </a:effectRef>
-          <a:fontRef idx="minor">
-            <a:schemeClr val="lt1"/>
-          </a:fontRef>
-        </p:style>
-        <p:txBody>
-          <a:bodyPr rtlCol="0" anchor="ctr"/>
-          <a:lstStyle/>
-          <a:p>
-            <a:pPr algn="ctr"/>
-            <a:endParaRPr lang="ko-KR" altLang="en-US"/>
-          </a:p>
-        </p:txBody>
-      </p:sp>
-      <p:sp>
-        <p:nvSpPr>
-          <p:cNvPr id="77" name="직사각형 76">
-            <a:extLst>
-              <a:ext uri="{FF2B5EF4-FFF2-40B4-BE49-F238E27FC236}">
-                <a16:creationId xmlns:a16="http://schemas.microsoft.com/office/drawing/2014/main" id="{DF5D8D81-5B9C-40B4-8A29-BC881F4D7EC4}"/>
-              </a:ext>
-            </a:extLst>
-          </p:cNvPr>
-          <p:cNvSpPr/>
-          <p:nvPr/>
-        </p:nvSpPr>
-        <p:spPr>
-          <a:xfrm>
-            <a:off x="194667" y="956672"/>
-            <a:ext cx="4320540" cy="315868"/>
-          </a:xfrm>
-          <a:prstGeom prst="rect">
-            <a:avLst/>
-          </a:prstGeom>
-          <a:solidFill>
-            <a:schemeClr val="accent4">
-              <a:lumMod val="60000"/>
-              <a:lumOff val="40000"/>
-            </a:schemeClr>
-          </a:solidFill>
-          <a:ln w="12700">
-            <a:solidFill>
-              <a:schemeClr val="tx1"/>
-            </a:solidFill>
-          </a:ln>
-        </p:spPr>
-        <p:style>
-          <a:lnRef idx="2">
-            <a:schemeClr val="accent1">
-              <a:shade val="50000"/>
-            </a:schemeClr>
-          </a:lnRef>
-          <a:fillRef idx="1">
-            <a:schemeClr val="accent1"/>
-          </a:fillRef>
-          <a:effectRef idx="0">
-            <a:schemeClr val="accent1"/>
-          </a:effectRef>
-          <a:fontRef idx="minor">
-            <a:schemeClr val="lt1"/>
-          </a:fontRef>
-        </p:style>
-        <p:txBody>
-          <a:bodyPr rtlCol="0" anchor="ctr"/>
-          <a:lstStyle/>
-          <a:p>
-            <a:r>
-              <a:rPr lang="en-US" altLang="ko-KR" sz="1400" b="1" dirty="0">
-                <a:solidFill>
-                  <a:schemeClr val="tx1"/>
-                </a:solidFill>
-                <a:latin typeface="Times New Roman" panose="02020603050405020304" pitchFamily="18" charset="0"/>
-                <a:cs typeface="Times New Roman" panose="02020603050405020304" pitchFamily="18" charset="0"/>
-              </a:rPr>
-              <a:t>Latest News in INES Lab</a:t>
-            </a:r>
-            <a:endParaRPr lang="ko-KR" altLang="en-US" sz="1400" b="1" dirty="0">
-              <a:solidFill>
-                <a:schemeClr val="tx1"/>
-              </a:solidFill>
-              <a:latin typeface="Times New Roman" panose="02020603050405020304" pitchFamily="18" charset="0"/>
-              <a:cs typeface="Times New Roman" panose="02020603050405020304" pitchFamily="18" charset="0"/>
-            </a:endParaRPr>
-          </a:p>
-        </p:txBody>
-      </p:sp>
-      <p:sp>
-        <p:nvSpPr>
-          <p:cNvPr id="83" name="직사각형 82">
-            <a:extLst>
-              <a:ext uri="{FF2B5EF4-FFF2-40B4-BE49-F238E27FC236}">
-                <a16:creationId xmlns:a16="http://schemas.microsoft.com/office/drawing/2014/main" id="{1A212FAF-1F1F-41F3-9404-4744D23E922F}"/>
-              </a:ext>
-            </a:extLst>
-          </p:cNvPr>
-          <p:cNvSpPr/>
-          <p:nvPr/>
-        </p:nvSpPr>
-        <p:spPr>
-          <a:xfrm>
-            <a:off x="4730444" y="962595"/>
-            <a:ext cx="1917017" cy="2474784"/>
-          </a:xfrm>
-          <a:prstGeom prst="rect">
-            <a:avLst/>
-          </a:prstGeom>
-          <a:noFill/>
-          <a:ln w="12700">
-            <a:solidFill>
-              <a:schemeClr val="tx1"/>
-            </a:solidFill>
-          </a:ln>
-        </p:spPr>
-        <p:style>
-          <a:lnRef idx="2">
-            <a:schemeClr val="accent1">
-              <a:shade val="50000"/>
-            </a:schemeClr>
-          </a:lnRef>
-          <a:fillRef idx="1">
-            <a:schemeClr val="accent1"/>
-          </a:fillRef>
-          <a:effectRef idx="0">
-            <a:schemeClr val="accent1"/>
-          </a:effectRef>
-          <a:fontRef idx="minor">
-            <a:schemeClr val="lt1"/>
-          </a:fontRef>
-        </p:style>
-        <p:txBody>
-          <a:bodyPr rtlCol="0" anchor="ctr"/>
-          <a:lstStyle/>
-          <a:p>
-            <a:pPr algn="ctr"/>
-            <a:endParaRPr lang="ko-KR" altLang="en-US"/>
-          </a:p>
-        </p:txBody>
-      </p:sp>
-      <p:sp>
-        <p:nvSpPr>
-          <p:cNvPr id="84" name="직사각형 83">
-            <a:extLst>
-              <a:ext uri="{FF2B5EF4-FFF2-40B4-BE49-F238E27FC236}">
-                <a16:creationId xmlns:a16="http://schemas.microsoft.com/office/drawing/2014/main" id="{01FD1748-EFA8-4FC5-9D38-BB4D382DBB97}"/>
-              </a:ext>
-            </a:extLst>
-          </p:cNvPr>
-          <p:cNvSpPr/>
-          <p:nvPr/>
-        </p:nvSpPr>
-        <p:spPr>
-          <a:xfrm>
-            <a:off x="4730444" y="956671"/>
-            <a:ext cx="1917017" cy="315868"/>
-          </a:xfrm>
-          <a:prstGeom prst="rect">
-            <a:avLst/>
-          </a:prstGeom>
-          <a:solidFill>
-            <a:schemeClr val="accent4">
-              <a:lumMod val="60000"/>
-              <a:lumOff val="40000"/>
-            </a:schemeClr>
-          </a:solidFill>
-          <a:ln w="12700">
-            <a:solidFill>
-              <a:schemeClr val="tx1"/>
-            </a:solidFill>
-          </a:ln>
-        </p:spPr>
-        <p:style>
-          <a:lnRef idx="2">
-            <a:schemeClr val="accent1">
-              <a:shade val="50000"/>
-            </a:schemeClr>
-          </a:lnRef>
-          <a:fillRef idx="1">
-            <a:schemeClr val="accent1"/>
-          </a:fillRef>
-          <a:effectRef idx="0">
-            <a:schemeClr val="accent1"/>
-          </a:effectRef>
-          <a:fontRef idx="minor">
-            <a:schemeClr val="lt1"/>
-          </a:fontRef>
-        </p:style>
-        <p:txBody>
-          <a:bodyPr rtlCol="0" anchor="ctr"/>
-          <a:lstStyle/>
-          <a:p>
-            <a:r>
-              <a:rPr lang="en-US" altLang="ko-KR" sz="1400" b="1" dirty="0">
-                <a:solidFill>
-                  <a:schemeClr val="tx1"/>
-                </a:solidFill>
-                <a:latin typeface="Times New Roman" panose="02020603050405020304" pitchFamily="18" charset="0"/>
-                <a:cs typeface="Times New Roman" panose="02020603050405020304" pitchFamily="18" charset="0"/>
-              </a:rPr>
-              <a:t>Menu</a:t>
-            </a:r>
-            <a:endParaRPr lang="ko-KR" altLang="en-US" sz="1400" b="1" dirty="0">
-              <a:solidFill>
-                <a:schemeClr val="tx1"/>
-              </a:solidFill>
-              <a:latin typeface="Times New Roman" panose="02020603050405020304" pitchFamily="18" charset="0"/>
-              <a:cs typeface="Times New Roman" panose="02020603050405020304" pitchFamily="18" charset="0"/>
             </a:endParaRPr>
           </a:p>
         </p:txBody>
@@ -8141,7 +8398,7 @@
         </p:nvGrpSpPr>
         <p:grpSpPr>
           <a:xfrm>
-            <a:off x="1567302" y="3738715"/>
+            <a:off x="1553294" y="6994817"/>
             <a:ext cx="3744415" cy="1130489"/>
             <a:chOff x="1567302" y="3738715"/>
             <a:chExt cx="3744415" cy="1130489"/>
@@ -10660,6 +10917,527 @@
           </a:p>
         </p:txBody>
       </p:sp>
+      <p:sp>
+        <p:nvSpPr>
+          <p:cNvPr id="59" name="직사각형 58">
+            <a:extLst>
+              <a:ext uri="{FF2B5EF4-FFF2-40B4-BE49-F238E27FC236}">
+                <a16:creationId xmlns:a16="http://schemas.microsoft.com/office/drawing/2014/main" id="{CE0B77B1-6379-4C50-BA12-BC4B4DCF59A3}"/>
+              </a:ext>
+            </a:extLst>
+          </p:cNvPr>
+          <p:cNvSpPr/>
+          <p:nvPr/>
+        </p:nvSpPr>
+        <p:spPr>
+          <a:xfrm>
+            <a:off x="0" y="8453849"/>
+            <a:ext cx="6858000" cy="1438572"/>
+          </a:xfrm>
+          <a:prstGeom prst="rect">
+            <a:avLst/>
+          </a:prstGeom>
+          <a:solidFill>
+            <a:schemeClr val="bg1">
+              <a:lumMod val="95000"/>
+            </a:schemeClr>
+          </a:solidFill>
+          <a:ln>
+            <a:solidFill>
+              <a:schemeClr val="bg1">
+                <a:lumMod val="95000"/>
+              </a:schemeClr>
+            </a:solidFill>
+          </a:ln>
+        </p:spPr>
+        <p:style>
+          <a:lnRef idx="2">
+            <a:schemeClr val="accent1">
+              <a:shade val="50000"/>
+            </a:schemeClr>
+          </a:lnRef>
+          <a:fillRef idx="1">
+            <a:schemeClr val="accent1"/>
+          </a:fillRef>
+          <a:effectRef idx="0">
+            <a:schemeClr val="accent1"/>
+          </a:effectRef>
+          <a:fontRef idx="minor">
+            <a:schemeClr val="lt1"/>
+          </a:fontRef>
+        </p:style>
+        <p:txBody>
+          <a:bodyPr rtlCol="0" anchor="ctr"/>
+          <a:lstStyle/>
+          <a:p>
+            <a:pPr algn="ctr"/>
+            <a:endParaRPr lang="ko-KR" altLang="en-US"/>
+          </a:p>
+        </p:txBody>
+      </p:sp>
+      <p:sp>
+        <p:nvSpPr>
+          <p:cNvPr id="63" name="직사각형 62">
+            <a:extLst>
+              <a:ext uri="{FF2B5EF4-FFF2-40B4-BE49-F238E27FC236}">
+                <a16:creationId xmlns:a16="http://schemas.microsoft.com/office/drawing/2014/main" id="{5A83C352-4719-481D-A657-B72F48CCEAC1}"/>
+              </a:ext>
+            </a:extLst>
+          </p:cNvPr>
+          <p:cNvSpPr/>
+          <p:nvPr/>
+        </p:nvSpPr>
+        <p:spPr>
+          <a:xfrm>
+            <a:off x="1272540" y="200472"/>
+            <a:ext cx="4320540" cy="590739"/>
+          </a:xfrm>
+          <a:prstGeom prst="rect">
+            <a:avLst/>
+          </a:prstGeom>
+          <a:noFill/>
+          <a:ln>
+            <a:noFill/>
+          </a:ln>
+        </p:spPr>
+        <p:style>
+          <a:lnRef idx="2">
+            <a:schemeClr val="accent1">
+              <a:shade val="50000"/>
+            </a:schemeClr>
+          </a:lnRef>
+          <a:fillRef idx="1">
+            <a:schemeClr val="accent1"/>
+          </a:fillRef>
+          <a:effectRef idx="0">
+            <a:schemeClr val="accent1"/>
+          </a:effectRef>
+          <a:fontRef idx="minor">
+            <a:schemeClr val="lt1"/>
+          </a:fontRef>
+        </p:style>
+        <p:txBody>
+          <a:bodyPr rtlCol="0" anchor="ctr"/>
+          <a:lstStyle/>
+          <a:p>
+            <a:pPr algn="ctr"/>
+            <a:r>
+              <a:rPr lang="en-US" altLang="ko-KR" sz="3000" dirty="0">
+                <a:solidFill>
+                  <a:schemeClr val="tx1"/>
+                </a:solidFill>
+              </a:rPr>
+              <a:t>About Us</a:t>
+            </a:r>
+            <a:endParaRPr lang="ko-KR" altLang="en-US" sz="3000" dirty="0">
+              <a:solidFill>
+                <a:schemeClr val="tx1"/>
+              </a:solidFill>
+            </a:endParaRPr>
+          </a:p>
+        </p:txBody>
+      </p:sp>
+      <p:sp>
+        <p:nvSpPr>
+          <p:cNvPr id="4" name="타원 3">
+            <a:extLst>
+              <a:ext uri="{FF2B5EF4-FFF2-40B4-BE49-F238E27FC236}">
+                <a16:creationId xmlns:a16="http://schemas.microsoft.com/office/drawing/2014/main" id="{493F8FAD-0D09-4BF2-BB17-187C7D62C5E5}"/>
+              </a:ext>
+            </a:extLst>
+          </p:cNvPr>
+          <p:cNvSpPr/>
+          <p:nvPr/>
+        </p:nvSpPr>
+        <p:spPr>
+          <a:xfrm>
+            <a:off x="1279240" y="4185640"/>
+            <a:ext cx="983624" cy="986979"/>
+          </a:xfrm>
+          <a:prstGeom prst="ellipse">
+            <a:avLst/>
+          </a:prstGeom>
+          <a:blipFill>
+            <a:blip r:embed="rId3"/>
+            <a:stretch>
+              <a:fillRect/>
+            </a:stretch>
+          </a:blipFill>
+          <a:ln>
+            <a:noFill/>
+          </a:ln>
+        </p:spPr>
+        <p:style>
+          <a:lnRef idx="2">
+            <a:schemeClr val="accent1">
+              <a:shade val="50000"/>
+            </a:schemeClr>
+          </a:lnRef>
+          <a:fillRef idx="1">
+            <a:schemeClr val="accent1"/>
+          </a:fillRef>
+          <a:effectRef idx="0">
+            <a:schemeClr val="accent1"/>
+          </a:effectRef>
+          <a:fontRef idx="minor">
+            <a:schemeClr val="lt1"/>
+          </a:fontRef>
+        </p:style>
+        <p:txBody>
+          <a:bodyPr rtlCol="0" anchor="ctr"/>
+          <a:lstStyle/>
+          <a:p>
+            <a:pPr algn="ctr"/>
+            <a:endParaRPr lang="ko-KR" altLang="en-US"/>
+          </a:p>
+        </p:txBody>
+      </p:sp>
+      <p:sp>
+        <p:nvSpPr>
+          <p:cNvPr id="5" name="TextBox 4">
+            <a:extLst>
+              <a:ext uri="{FF2B5EF4-FFF2-40B4-BE49-F238E27FC236}">
+                <a16:creationId xmlns:a16="http://schemas.microsoft.com/office/drawing/2014/main" id="{3C87D43C-E0B6-4EE2-B9D0-5E570000A024}"/>
+              </a:ext>
+            </a:extLst>
+          </p:cNvPr>
+          <p:cNvSpPr txBox="1"/>
+          <p:nvPr/>
+        </p:nvSpPr>
+        <p:spPr>
+          <a:xfrm>
+            <a:off x="2348290" y="4269807"/>
+            <a:ext cx="3230782" cy="692177"/>
+          </a:xfrm>
+          <a:prstGeom prst="rect">
+            <a:avLst/>
+          </a:prstGeom>
+          <a:noFill/>
+        </p:spPr>
+        <p:txBody>
+          <a:bodyPr wrap="square" rtlCol="0">
+            <a:spAutoFit/>
+          </a:bodyPr>
+          <a:lstStyle/>
+          <a:p>
+            <a:r>
+              <a:rPr lang="en-US" altLang="ko-KR" dirty="0"/>
+              <a:t> Name</a:t>
+            </a:r>
+          </a:p>
+          <a:p>
+            <a:r>
+              <a:rPr lang="en-US" altLang="ko-KR" sz="1600" dirty="0">
+                <a:solidFill>
+                  <a:schemeClr val="bg1">
+                    <a:lumMod val="50000"/>
+                  </a:schemeClr>
+                </a:solidFill>
+              </a:rPr>
+              <a:t>“ Blah blah blah.”</a:t>
+            </a:r>
+            <a:endParaRPr lang="ko-KR" altLang="en-US" sz="1600" dirty="0">
+              <a:solidFill>
+                <a:schemeClr val="bg1">
+                  <a:lumMod val="50000"/>
+                </a:schemeClr>
+              </a:solidFill>
+            </a:endParaRPr>
+          </a:p>
+        </p:txBody>
+      </p:sp>
+      <p:pic>
+        <p:nvPicPr>
+          <p:cNvPr id="68" name="그림 67">
+            <a:extLst>
+              <a:ext uri="{FF2B5EF4-FFF2-40B4-BE49-F238E27FC236}">
+                <a16:creationId xmlns:a16="http://schemas.microsoft.com/office/drawing/2014/main" id="{50E5DABB-1DEA-4720-95E7-AC748BC82343}"/>
+              </a:ext>
+            </a:extLst>
+          </p:cNvPr>
+          <p:cNvPicPr>
+            <a:picLocks noChangeAspect="1"/>
+          </p:cNvPicPr>
+          <p:nvPr/>
+        </p:nvPicPr>
+        <p:blipFill>
+          <a:blip r:embed="rId2"/>
+          <a:stretch>
+            <a:fillRect/>
+          </a:stretch>
+        </p:blipFill>
+        <p:spPr>
+          <a:xfrm>
+            <a:off x="2931626" y="6054888"/>
+            <a:ext cx="2659931" cy="273226"/>
+          </a:xfrm>
+          <a:prstGeom prst="rect">
+            <a:avLst/>
+          </a:prstGeom>
+        </p:spPr>
+      </p:pic>
+      <p:sp>
+        <p:nvSpPr>
+          <p:cNvPr id="69" name="타원 68">
+            <a:extLst>
+              <a:ext uri="{FF2B5EF4-FFF2-40B4-BE49-F238E27FC236}">
+                <a16:creationId xmlns:a16="http://schemas.microsoft.com/office/drawing/2014/main" id="{8CF57ABD-822B-456D-8A98-0D4E51A9267D}"/>
+              </a:ext>
+            </a:extLst>
+          </p:cNvPr>
+          <p:cNvSpPr/>
+          <p:nvPr/>
+        </p:nvSpPr>
+        <p:spPr>
+          <a:xfrm>
+            <a:off x="1285026" y="5341134"/>
+            <a:ext cx="983624" cy="986979"/>
+          </a:xfrm>
+          <a:prstGeom prst="ellipse">
+            <a:avLst/>
+          </a:prstGeom>
+          <a:blipFill>
+            <a:blip r:embed="rId4"/>
+            <a:stretch>
+              <a:fillRect/>
+            </a:stretch>
+          </a:blipFill>
+          <a:ln>
+            <a:noFill/>
+          </a:ln>
+        </p:spPr>
+        <p:style>
+          <a:lnRef idx="2">
+            <a:schemeClr val="accent1">
+              <a:shade val="50000"/>
+            </a:schemeClr>
+          </a:lnRef>
+          <a:fillRef idx="1">
+            <a:schemeClr val="accent1"/>
+          </a:fillRef>
+          <a:effectRef idx="0">
+            <a:schemeClr val="accent1"/>
+          </a:effectRef>
+          <a:fontRef idx="minor">
+            <a:schemeClr val="lt1"/>
+          </a:fontRef>
+        </p:style>
+        <p:txBody>
+          <a:bodyPr rtlCol="0" anchor="ctr"/>
+          <a:lstStyle/>
+          <a:p>
+            <a:pPr algn="ctr"/>
+            <a:endParaRPr lang="ko-KR" altLang="en-US"/>
+          </a:p>
+        </p:txBody>
+      </p:sp>
+      <p:sp>
+        <p:nvSpPr>
+          <p:cNvPr id="70" name="TextBox 69">
+            <a:extLst>
+              <a:ext uri="{FF2B5EF4-FFF2-40B4-BE49-F238E27FC236}">
+                <a16:creationId xmlns:a16="http://schemas.microsoft.com/office/drawing/2014/main" id="{33BB3833-CAE9-485E-B5B1-6F589DD35287}"/>
+              </a:ext>
+            </a:extLst>
+          </p:cNvPr>
+          <p:cNvSpPr txBox="1"/>
+          <p:nvPr/>
+        </p:nvSpPr>
+        <p:spPr>
+          <a:xfrm>
+            <a:off x="2354076" y="5425301"/>
+            <a:ext cx="3230782" cy="692177"/>
+          </a:xfrm>
+          <a:prstGeom prst="rect">
+            <a:avLst/>
+          </a:prstGeom>
+          <a:noFill/>
+        </p:spPr>
+        <p:txBody>
+          <a:bodyPr wrap="square" rtlCol="0">
+            <a:spAutoFit/>
+          </a:bodyPr>
+          <a:lstStyle/>
+          <a:p>
+            <a:r>
+              <a:rPr lang="en-US" altLang="ko-KR" dirty="0"/>
+              <a:t> Name</a:t>
+            </a:r>
+          </a:p>
+          <a:p>
+            <a:r>
+              <a:rPr lang="en-US" altLang="ko-KR" sz="1600" dirty="0">
+                <a:solidFill>
+                  <a:schemeClr val="bg1">
+                    <a:lumMod val="50000"/>
+                  </a:schemeClr>
+                </a:solidFill>
+              </a:rPr>
+              <a:t>“ Blah blah blah.”</a:t>
+            </a:r>
+            <a:endParaRPr lang="ko-KR" altLang="en-US" sz="1600" dirty="0">
+              <a:solidFill>
+                <a:schemeClr val="bg1">
+                  <a:lumMod val="50000"/>
+                </a:schemeClr>
+              </a:solidFill>
+            </a:endParaRPr>
+          </a:p>
+        </p:txBody>
+      </p:sp>
+      <p:cxnSp>
+        <p:nvCxnSpPr>
+          <p:cNvPr id="78" name="직선 연결선 77">
+            <a:extLst>
+              <a:ext uri="{FF2B5EF4-FFF2-40B4-BE49-F238E27FC236}">
+                <a16:creationId xmlns:a16="http://schemas.microsoft.com/office/drawing/2014/main" id="{E5B2402C-896B-4BC9-AC28-5ABDB9E89C76}"/>
+              </a:ext>
+            </a:extLst>
+          </p:cNvPr>
+          <p:cNvCxnSpPr>
+            <a:cxnSpLocks/>
+          </p:cNvCxnSpPr>
+          <p:nvPr/>
+        </p:nvCxnSpPr>
+        <p:spPr>
+          <a:xfrm>
+            <a:off x="1279240" y="3885083"/>
+            <a:ext cx="2143060" cy="0"/>
+          </a:xfrm>
+          <a:prstGeom prst="line">
+            <a:avLst/>
+          </a:prstGeom>
+          <a:ln w="25400"/>
+        </p:spPr>
+        <p:style>
+          <a:lnRef idx="1">
+            <a:schemeClr val="dk1"/>
+          </a:lnRef>
+          <a:fillRef idx="0">
+            <a:schemeClr val="dk1"/>
+          </a:fillRef>
+          <a:effectRef idx="0">
+            <a:schemeClr val="dk1"/>
+          </a:effectRef>
+          <a:fontRef idx="minor">
+            <a:schemeClr val="tx1"/>
+          </a:fontRef>
+        </p:style>
+      </p:cxnSp>
+      <p:sp>
+        <p:nvSpPr>
+          <p:cNvPr id="79" name="직사각형 78">
+            <a:extLst>
+              <a:ext uri="{FF2B5EF4-FFF2-40B4-BE49-F238E27FC236}">
+                <a16:creationId xmlns:a16="http://schemas.microsoft.com/office/drawing/2014/main" id="{1D70572A-2EFE-4F02-A811-A791E70F58C7}"/>
+              </a:ext>
+            </a:extLst>
+          </p:cNvPr>
+          <p:cNvSpPr/>
+          <p:nvPr/>
+        </p:nvSpPr>
+        <p:spPr>
+          <a:xfrm>
+            <a:off x="1285940" y="3522777"/>
+            <a:ext cx="2081770" cy="362306"/>
+          </a:xfrm>
+          <a:prstGeom prst="rect">
+            <a:avLst/>
+          </a:prstGeom>
+          <a:noFill/>
+          <a:ln>
+            <a:noFill/>
+          </a:ln>
+        </p:spPr>
+        <p:style>
+          <a:lnRef idx="2">
+            <a:schemeClr val="accent1">
+              <a:shade val="50000"/>
+            </a:schemeClr>
+          </a:lnRef>
+          <a:fillRef idx="1">
+            <a:schemeClr val="accent1"/>
+          </a:fillRef>
+          <a:effectRef idx="0">
+            <a:schemeClr val="accent1"/>
+          </a:effectRef>
+          <a:fontRef idx="minor">
+            <a:schemeClr val="lt1"/>
+          </a:fontRef>
+        </p:style>
+        <p:txBody>
+          <a:bodyPr rtlCol="0" anchor="ctr"/>
+          <a:lstStyle/>
+          <a:p>
+            <a:pPr algn="ctr"/>
+            <a:r>
+              <a:rPr lang="en-US" altLang="ko-KR" sz="2000" dirty="0">
+                <a:solidFill>
+                  <a:schemeClr val="tx1"/>
+                </a:solidFill>
+              </a:rPr>
+              <a:t>Team Members</a:t>
+            </a:r>
+            <a:endParaRPr lang="ko-KR" altLang="en-US" sz="2000" dirty="0">
+              <a:solidFill>
+                <a:schemeClr val="tx1"/>
+              </a:solidFill>
+            </a:endParaRPr>
+          </a:p>
+        </p:txBody>
+      </p:sp>
+      <p:sp>
+        <p:nvSpPr>
+          <p:cNvPr id="82" name="직사각형 81">
+            <a:extLst>
+              <a:ext uri="{FF2B5EF4-FFF2-40B4-BE49-F238E27FC236}">
+                <a16:creationId xmlns:a16="http://schemas.microsoft.com/office/drawing/2014/main" id="{0151A487-1E6E-4666-A09F-C4421E8D3F46}"/>
+              </a:ext>
+            </a:extLst>
+          </p:cNvPr>
+          <p:cNvSpPr/>
+          <p:nvPr/>
+        </p:nvSpPr>
+        <p:spPr>
+          <a:xfrm>
+            <a:off x="1276932" y="915202"/>
+            <a:ext cx="4316148" cy="2423509"/>
+          </a:xfrm>
+          <a:prstGeom prst="rect">
+            <a:avLst/>
+          </a:prstGeom>
+          <a:noFill/>
+          <a:ln w="12700">
+            <a:solidFill>
+              <a:schemeClr val="tx1"/>
+            </a:solidFill>
+          </a:ln>
+        </p:spPr>
+        <p:style>
+          <a:lnRef idx="2">
+            <a:schemeClr val="accent1">
+              <a:shade val="50000"/>
+            </a:schemeClr>
+          </a:lnRef>
+          <a:fillRef idx="1">
+            <a:schemeClr val="accent1"/>
+          </a:fillRef>
+          <a:effectRef idx="0">
+            <a:schemeClr val="accent1"/>
+          </a:effectRef>
+          <a:fontRef idx="minor">
+            <a:schemeClr val="lt1"/>
+          </a:fontRef>
+        </p:style>
+        <p:txBody>
+          <a:bodyPr rtlCol="0" anchor="ctr"/>
+          <a:lstStyle/>
+          <a:p>
+            <a:pPr algn="ctr"/>
+            <a:endParaRPr lang="ko-KR" altLang="en-US"/>
+          </a:p>
+        </p:txBody>
+      </p:sp>
     </p:spTree>
     <p:extLst>
       <p:ext uri="{BB962C8B-B14F-4D97-AF65-F5344CB8AC3E}">
@@ -13569,6 +14347,64 @@
                 </a:schemeClr>
               </a:solidFill>
             </a:endParaRPr>
+          </a:p>
+        </p:txBody>
+      </p:sp>
+      <p:sp>
+        <p:nvSpPr>
+          <p:cNvPr id="59" name="직사각형 58">
+            <a:extLst>
+              <a:ext uri="{FF2B5EF4-FFF2-40B4-BE49-F238E27FC236}">
+                <a16:creationId xmlns:a16="http://schemas.microsoft.com/office/drawing/2014/main" id="{8E7FAEE3-5BA7-46AB-94CB-0BDE2872C311}"/>
+              </a:ext>
+            </a:extLst>
+          </p:cNvPr>
+          <p:cNvSpPr/>
+          <p:nvPr/>
+        </p:nvSpPr>
+        <p:spPr>
+          <a:xfrm>
+            <a:off x="0" y="8453849"/>
+            <a:ext cx="6858000" cy="1438572"/>
+          </a:xfrm>
+          <a:prstGeom prst="rect">
+            <a:avLst/>
+          </a:prstGeom>
+          <a:solidFill>
+            <a:schemeClr val="bg1">
+              <a:lumMod val="95000"/>
+            </a:schemeClr>
+          </a:solidFill>
+          <a:ln>
+            <a:solidFill>
+              <a:schemeClr val="bg1">
+                <a:lumMod val="95000"/>
+              </a:schemeClr>
+            </a:solidFill>
+          </a:ln>
+        </p:spPr>
+        <p:style>
+          <a:lnRef idx="2">
+            <a:schemeClr val="accent1">
+              <a:shade val="50000"/>
+            </a:schemeClr>
+          </a:lnRef>
+          <a:fillRef idx="1">
+            <a:schemeClr val="accent1"/>
+          </a:fillRef>
+          <a:effectRef idx="0">
+            <a:schemeClr val="accent1"/>
+          </a:effectRef>
+          <a:fontRef idx="minor">
+            <a:schemeClr val="lt1"/>
+          </a:fontRef>
+        </p:style>
+        <p:txBody>
+          <a:bodyPr rtlCol="0" anchor="ctr"/>
+          <a:lstStyle/>
+          <a:p>
+            <a:pPr algn="ctr"/>
+            <a:endParaRPr lang="ko-KR" altLang="en-US"/>
           </a:p>
         </p:txBody>
       </p:sp>
